--- a/Presentation.pptx
+++ b/Presentation.pptx
@@ -3360,7 +3360,7 @@
             <a:fld id="{8E36636D-D922-432D-A958-524484B5923D}" type="datetimeFigureOut">
               <a:rPr lang="en-US" dirty="0"/>
               <a:pPr/>
-              <a:t>9/17/2022</a:t>
+              <a:t>4/12/2024</a:t>
             </a:fld>
             <a:endParaRPr lang="en-US" dirty="0"/>
           </a:p>
@@ -3659,7 +3659,7 @@
           <a:p>
             <a:fld id="{48A87A34-81AB-432B-8DAE-1953F412C126}" type="datetimeFigureOut">
               <a:rPr lang="en-US" dirty="0"/>
-              <a:t>9/17/2022</a:t>
+              <a:t>4/12/2024</a:t>
             </a:fld>
             <a:endParaRPr lang="en-US" dirty="0"/>
           </a:p>
@@ -3851,7 +3851,7 @@
           <a:p>
             <a:fld id="{48A87A34-81AB-432B-8DAE-1953F412C126}" type="datetimeFigureOut">
               <a:rPr lang="en-US" dirty="0"/>
-              <a:t>9/17/2022</a:t>
+              <a:t>4/12/2024</a:t>
             </a:fld>
             <a:endParaRPr lang="en-US" dirty="0"/>
           </a:p>
@@ -4112,7 +4112,7 @@
           <a:p>
             <a:fld id="{48A87A34-81AB-432B-8DAE-1953F412C126}" type="datetimeFigureOut">
               <a:rPr lang="en-US" dirty="0"/>
-              <a:t>9/17/2022</a:t>
+              <a:t>4/12/2024</a:t>
             </a:fld>
             <a:endParaRPr lang="en-US" dirty="0"/>
           </a:p>
@@ -4536,7 +4536,7 @@
           <a:p>
             <a:fld id="{48A87A34-81AB-432B-8DAE-1953F412C126}" type="datetimeFigureOut">
               <a:rPr lang="en-US" dirty="0"/>
-              <a:t>9/17/2022</a:t>
+              <a:t>4/12/2024</a:t>
             </a:fld>
             <a:endParaRPr lang="en-US" dirty="0"/>
           </a:p>
@@ -5073,7 +5073,7 @@
           <a:p>
             <a:fld id="{48A87A34-81AB-432B-8DAE-1953F412C126}" type="datetimeFigureOut">
               <a:rPr lang="en-US" dirty="0"/>
-              <a:t>9/17/2022</a:t>
+              <a:t>4/12/2024</a:t>
             </a:fld>
             <a:endParaRPr lang="en-US" dirty="0"/>
           </a:p>
@@ -5937,7 +5937,7 @@
           <a:p>
             <a:fld id="{48A87A34-81AB-432B-8DAE-1953F412C126}" type="datetimeFigureOut">
               <a:rPr lang="en-US" dirty="0"/>
-              <a:t>9/17/2022</a:t>
+              <a:t>4/12/2024</a:t>
             </a:fld>
             <a:endParaRPr lang="en-US" dirty="0"/>
           </a:p>
@@ -6108,7 +6108,7 @@
             <a:fld id="{8E36636D-D922-432D-A958-524484B5923D}" type="datetimeFigureOut">
               <a:rPr lang="en-US" dirty="0"/>
               <a:pPr/>
-              <a:t>9/17/2022</a:t>
+              <a:t>4/12/2024</a:t>
             </a:fld>
             <a:endParaRPr lang="en-US" dirty="0"/>
           </a:p>
@@ -6294,7 +6294,7 @@
             <a:fld id="{8E36636D-D922-432D-A958-524484B5923D}" type="datetimeFigureOut">
               <a:rPr lang="en-US" dirty="0"/>
               <a:pPr/>
-              <a:t>9/17/2022</a:t>
+              <a:t>4/12/2024</a:t>
             </a:fld>
             <a:endParaRPr lang="en-US" dirty="0"/>
           </a:p>
@@ -6466,7 +6466,7 @@
             <a:fld id="{8E36636D-D922-432D-A958-524484B5923D}" type="datetimeFigureOut">
               <a:rPr lang="en-US" dirty="0"/>
               <a:pPr/>
-              <a:t>9/17/2022</a:t>
+              <a:t>4/12/2024</a:t>
             </a:fld>
             <a:endParaRPr lang="en-US" dirty="0"/>
           </a:p>
@@ -6712,7 +6712,7 @@
             <a:fld id="{8E36636D-D922-432D-A958-524484B5923D}" type="datetimeFigureOut">
               <a:rPr lang="en-US" dirty="0"/>
               <a:pPr/>
-              <a:t>9/17/2022</a:t>
+              <a:t>4/12/2024</a:t>
             </a:fld>
             <a:endParaRPr lang="en-US" dirty="0"/>
           </a:p>
@@ -6950,7 +6950,7 @@
             <a:fld id="{8E36636D-D922-432D-A958-524484B5923D}" type="datetimeFigureOut">
               <a:rPr lang="en-US" dirty="0"/>
               <a:pPr/>
-              <a:t>9/17/2022</a:t>
+              <a:t>4/12/2024</a:t>
             </a:fld>
             <a:endParaRPr lang="en-US" dirty="0"/>
           </a:p>
@@ -7418,7 +7418,7 @@
             <a:fld id="{8E36636D-D922-432D-A958-524484B5923D}" type="datetimeFigureOut">
               <a:rPr lang="en-US" dirty="0"/>
               <a:pPr/>
-              <a:t>9/17/2022</a:t>
+              <a:t>4/12/2024</a:t>
             </a:fld>
             <a:endParaRPr lang="en-US" dirty="0"/>
           </a:p>
@@ -7538,7 +7538,7 @@
             <a:fld id="{8E36636D-D922-432D-A958-524484B5923D}" type="datetimeFigureOut">
               <a:rPr lang="en-US" dirty="0"/>
               <a:pPr/>
-              <a:t>9/17/2022</a:t>
+              <a:t>4/12/2024</a:t>
             </a:fld>
             <a:endParaRPr lang="en-US" dirty="0"/>
           </a:p>
@@ -7635,7 +7635,7 @@
             <a:fld id="{8E36636D-D922-432D-A958-524484B5923D}" type="datetimeFigureOut">
               <a:rPr lang="en-US" dirty="0"/>
               <a:pPr/>
-              <a:t>9/17/2022</a:t>
+              <a:t>4/12/2024</a:t>
             </a:fld>
             <a:endParaRPr lang="en-US" dirty="0"/>
           </a:p>
@@ -7892,7 +7892,7 @@
             <a:fld id="{8E36636D-D922-432D-A958-524484B5923D}" type="datetimeFigureOut">
               <a:rPr lang="en-US" dirty="0"/>
               <a:pPr/>
-              <a:t>9/17/2022</a:t>
+              <a:t>4/12/2024</a:t>
             </a:fld>
             <a:endParaRPr lang="en-US" dirty="0"/>
           </a:p>
@@ -8194,7 +8194,7 @@
             <a:fld id="{8E36636D-D922-432D-A958-524484B5923D}" type="datetimeFigureOut">
               <a:rPr lang="en-US" dirty="0"/>
               <a:pPr/>
-              <a:t>9/17/2022</a:t>
+              <a:t>4/12/2024</a:t>
             </a:fld>
             <a:endParaRPr lang="en-US" dirty="0"/>
           </a:p>
@@ -8430,7 +8430,7 @@
             <a:fld id="{8E36636D-D922-432D-A958-524484B5923D}" type="datetimeFigureOut">
               <a:rPr lang="en-US" dirty="0"/>
               <a:pPr/>
-              <a:t>9/17/2022</a:t>
+              <a:t>4/12/2024</a:t>
             </a:fld>
             <a:endParaRPr lang="en-US" dirty="0"/>
           </a:p>
@@ -9345,66 +9345,6 @@
           </a:fontRef>
         </p:style>
       </p:cxnSp>
-      <p:sp>
-        <p:nvSpPr>
-          <p:cNvPr id="8" name="Text Placeholder 7">
-            <a:extLst>
-              <a:ext uri="{FF2B5EF4-FFF2-40B4-BE49-F238E27FC236}">
-                <a16:creationId xmlns:a16="http://schemas.microsoft.com/office/drawing/2014/main" id="{701740D4-774B-4135-B328-F1BD858F17AC}"/>
-              </a:ext>
-            </a:extLst>
-          </p:cNvPr>
-          <p:cNvSpPr>
-            <a:spLocks noGrp="1"/>
-          </p:cNvSpPr>
-          <p:nvPr>
-            <p:ph type="body" sz="half" idx="2"/>
-          </p:nvPr>
-        </p:nvSpPr>
-        <p:spPr>
-          <a:xfrm>
-            <a:off x="5170962" y="1271732"/>
-            <a:ext cx="3150972" cy="4827694"/>
-          </a:xfrm>
-          <a:effectLst/>
-        </p:spPr>
-        <p:txBody>
-          <a:bodyPr vert="horz" lIns="91440" tIns="45720" rIns="91440" bIns="45720" rtlCol="0" anchor="ctr">
-            <a:normAutofit/>
-          </a:bodyPr>
-          <a:lstStyle/>
-          <a:p>
-            <a:pPr algn="l"/>
-            <a:r>
-              <a:rPr lang="en-US" dirty="0">
-                <a:solidFill>
-                  <a:schemeClr val="tx1"/>
-                </a:solidFill>
-              </a:rPr>
-              <a:t>Designed and Presented By</a:t>
-            </a:r>
-          </a:p>
-          <a:p>
-            <a:pPr algn="l"/>
-            <a:r>
-              <a:rPr lang="en-US" dirty="0">
-                <a:solidFill>
-                  <a:schemeClr val="tx1"/>
-                </a:solidFill>
-              </a:rPr>
-              <a:t>NAVEEN S</a:t>
-            </a:r>
-          </a:p>
-          <a:p>
-            <a:pPr algn="l"/>
-            <a:endParaRPr lang="en-US" dirty="0">
-              <a:solidFill>
-                <a:schemeClr val="tx1"/>
-              </a:solidFill>
-            </a:endParaRPr>
-          </a:p>
-        </p:txBody>
-      </p:sp>
     </p:spTree>
     <p:extLst>
       <p:ext uri="{BB962C8B-B14F-4D97-AF65-F5344CB8AC3E}">
@@ -9577,8 +9517,8 @@
           </a:p>
         </p:txBody>
       </p:sp>
-      <mc:AlternateContent xmlns:mc="http://schemas.openxmlformats.org/markup-compatibility/2006">
-        <mc:Choice xmlns:we="http://schemas.microsoft.com/office/webextensions/webextension/2010/11" xmlns:pca="http://schemas.microsoft.com/office/powerpoint/2013/contentapp" Requires="we pca">
+      <mc:AlternateContent xmlns:mc="http://schemas.openxmlformats.org/markup-compatibility/2006" xmlns:we="http://schemas.microsoft.com/office/webextensions/webextension/2010/11" xmlns:pca="http://schemas.microsoft.com/office/powerpoint/2013/contentapp">
+        <mc:Choice Requires="we pca">
           <p:graphicFrame>
             <p:nvGraphicFramePr>
               <p:cNvPr id="4" name="Add-in 3" title="Microsoft Power BI">
@@ -9610,7 +9550,7 @@
             </a:graphic>
           </p:graphicFrame>
         </mc:Choice>
-        <mc:Fallback>
+        <mc:Fallback xmlns="">
           <p:pic>
             <p:nvPicPr>
               <p:cNvPr id="4" name="Add-in 3" title="Microsoft Power BI">

--- a/Presentation.pptx
+++ b/Presentation.pptx
@@ -9275,8 +9275,8 @@
         </p:nvSpPr>
         <p:spPr>
           <a:xfrm>
-            <a:off x="913795" y="963506"/>
-            <a:ext cx="3935603" cy="4827693"/>
+            <a:off x="603315" y="963506"/>
+            <a:ext cx="4246083" cy="4827693"/>
           </a:xfrm>
         </p:spPr>
         <p:txBody>
@@ -9288,7 +9288,7 @@
             <a:pPr algn="r"/>
             <a:r>
               <a:rPr lang="en-US" sz="4400" dirty="0"/>
-              <a:t>CODEBASICS RESUME CHALLENGE - SEPTEMBER</a:t>
+              <a:t>ATLIQ HOSPATALITY ANALYSIS</a:t>
             </a:r>
           </a:p>
         </p:txBody>
